--- a/AspireFromDevToDeployment.pptx
+++ b/AspireFromDevToDeployment.pptx
@@ -200,7 +200,7 @@
           <a:p>
             <a:fld id="{821FC12F-6A28-41AA-B5B2-67AA6D916EB8}" type="datetimeFigureOut">
               <a:rPr lang="en-US" smtClean="0"/>
-              <a:t>8/5/2025</a:t>
+              <a:t>11/19/2025</a:t>
             </a:fld>
             <a:endParaRPr lang="en-US"/>
           </a:p>
@@ -945,7 +945,7 @@
           <a:p>
             <a:fld id="{9959450D-C0A9-414C-934D-23FCB958D1B6}" type="datetimeFigureOut">
               <a:rPr lang="en-US" smtClean="0"/>
-              <a:t>8/5/2025</a:t>
+              <a:t>11/19/2025</a:t>
             </a:fld>
             <a:endParaRPr lang="en-US"/>
           </a:p>
@@ -1143,7 +1143,7 @@
           <a:p>
             <a:fld id="{9959450D-C0A9-414C-934D-23FCB958D1B6}" type="datetimeFigureOut">
               <a:rPr lang="en-US" smtClean="0"/>
-              <a:t>8/5/2025</a:t>
+              <a:t>11/19/2025</a:t>
             </a:fld>
             <a:endParaRPr lang="en-US"/>
           </a:p>
@@ -1351,7 +1351,7 @@
           <a:p>
             <a:fld id="{9959450D-C0A9-414C-934D-23FCB958D1B6}" type="datetimeFigureOut">
               <a:rPr lang="en-US" smtClean="0"/>
-              <a:t>8/5/2025</a:t>
+              <a:t>11/19/2025</a:t>
             </a:fld>
             <a:endParaRPr lang="en-US"/>
           </a:p>
@@ -1549,7 +1549,7 @@
           <a:p>
             <a:fld id="{9959450D-C0A9-414C-934D-23FCB958D1B6}" type="datetimeFigureOut">
               <a:rPr lang="en-US" smtClean="0"/>
-              <a:t>8/5/2025</a:t>
+              <a:t>11/19/2025</a:t>
             </a:fld>
             <a:endParaRPr lang="en-US"/>
           </a:p>
@@ -1824,7 +1824,7 @@
           <a:p>
             <a:fld id="{9959450D-C0A9-414C-934D-23FCB958D1B6}" type="datetimeFigureOut">
               <a:rPr lang="en-US" smtClean="0"/>
-              <a:t>8/5/2025</a:t>
+              <a:t>11/19/2025</a:t>
             </a:fld>
             <a:endParaRPr lang="en-US"/>
           </a:p>
@@ -2089,7 +2089,7 @@
           <a:p>
             <a:fld id="{9959450D-C0A9-414C-934D-23FCB958D1B6}" type="datetimeFigureOut">
               <a:rPr lang="en-US" smtClean="0"/>
-              <a:t>8/5/2025</a:t>
+              <a:t>11/19/2025</a:t>
             </a:fld>
             <a:endParaRPr lang="en-US"/>
           </a:p>
@@ -2501,7 +2501,7 @@
           <a:p>
             <a:fld id="{9959450D-C0A9-414C-934D-23FCB958D1B6}" type="datetimeFigureOut">
               <a:rPr lang="en-US" smtClean="0"/>
-              <a:t>8/5/2025</a:t>
+              <a:t>11/19/2025</a:t>
             </a:fld>
             <a:endParaRPr lang="en-US"/>
           </a:p>
@@ -2642,7 +2642,7 @@
           <a:p>
             <a:fld id="{9959450D-C0A9-414C-934D-23FCB958D1B6}" type="datetimeFigureOut">
               <a:rPr lang="en-US" smtClean="0"/>
-              <a:t>8/5/2025</a:t>
+              <a:t>11/19/2025</a:t>
             </a:fld>
             <a:endParaRPr lang="en-US"/>
           </a:p>
@@ -2755,7 +2755,7 @@
           <a:p>
             <a:fld id="{9959450D-C0A9-414C-934D-23FCB958D1B6}" type="datetimeFigureOut">
               <a:rPr lang="en-US" smtClean="0"/>
-              <a:t>8/5/2025</a:t>
+              <a:t>11/19/2025</a:t>
             </a:fld>
             <a:endParaRPr lang="en-US"/>
           </a:p>
@@ -3066,7 +3066,7 @@
           <a:p>
             <a:fld id="{9959450D-C0A9-414C-934D-23FCB958D1B6}" type="datetimeFigureOut">
               <a:rPr lang="en-US" smtClean="0"/>
-              <a:t>8/5/2025</a:t>
+              <a:t>11/19/2025</a:t>
             </a:fld>
             <a:endParaRPr lang="en-US"/>
           </a:p>
@@ -3354,7 +3354,7 @@
           <a:p>
             <a:fld id="{9959450D-C0A9-414C-934D-23FCB958D1B6}" type="datetimeFigureOut">
               <a:rPr lang="en-US" smtClean="0"/>
-              <a:t>8/5/2025</a:t>
+              <a:t>11/19/2025</a:t>
             </a:fld>
             <a:endParaRPr lang="en-US"/>
           </a:p>
@@ -3595,7 +3595,7 @@
           <a:p>
             <a:fld id="{9959450D-C0A9-414C-934D-23FCB958D1B6}" type="datetimeFigureOut">
               <a:rPr lang="en-US" smtClean="0"/>
-              <a:t>8/5/2025</a:t>
+              <a:t>11/19/2025</a:t>
             </a:fld>
             <a:endParaRPr lang="en-US"/>
           </a:p>
@@ -4145,15 +4145,15 @@
           <a:lstStyle/>
           <a:p>
             <a:r>
-              <a:rPr lang="en-US" b="1">
+              <a:rPr lang="en-US" b="1" dirty="0">
                 <a:solidFill>
                   <a:srgbClr val="FFFFFF"/>
                 </a:solidFill>
                 <a:latin typeface="Arial Rounded MT Bold" panose="020F0704030504030204" pitchFamily="34" charset="0"/>
               </a:rPr>
-              <a:t>Building Confident Application Systems with .NET Aspire</a:t>
+              <a:t>Building Confident Application Systems with Aspire</a:t>
             </a:r>
-            <a:endParaRPr lang="en-US">
+            <a:endParaRPr lang="en-US" dirty="0">
               <a:solidFill>
                 <a:srgbClr val="FFFFFF"/>
               </a:solidFill>
@@ -8268,8 +8268,8 @@
           <a:p>
             <a:pPr algn="ctr"/>
             <a:r>
-              <a:rPr lang="en-US" sz="3600" b="1"/>
-              <a:t>What Is .NET Aspire?</a:t>
+              <a:rPr lang="en-US" sz="3600" b="1" dirty="0"/>
+              <a:t>What Is Aspire?</a:t>
             </a:r>
           </a:p>
         </p:txBody>
@@ -8769,8 +8769,8 @@
               <a:buNone/>
             </a:pPr>
             <a:r>
-              <a:rPr lang="en-US" sz="1400" b="1"/>
-              <a:t>.NET Distributed Application Stack</a:t>
+              <a:rPr lang="en-US" sz="1400" b="1" dirty="0"/>
+              <a:t>Polyglot Distributed Application Stack</a:t>
             </a:r>
           </a:p>
           <a:p>
@@ -8779,8 +8779,8 @@
               <a:buNone/>
             </a:pPr>
             <a:r>
-              <a:rPr lang="en-US" sz="1400"/>
-              <a:t>.NET Aspire is designed for building distributed applications, streamlining complex development with opinionated choices.</a:t>
+              <a:rPr lang="en-US" sz="1400" dirty="0"/>
+              <a:t>Aspire is designed for building distributed applications, streamlining complex development with opinionated choices.</a:t>
             </a:r>
           </a:p>
           <a:p>
@@ -8792,7 +8792,7 @@
               <a:buNone/>
             </a:pPr>
             <a:r>
-              <a:rPr lang="en-US" sz="1400" b="1"/>
+              <a:rPr lang="en-US" sz="1400" b="1" dirty="0"/>
               <a:t>Built-in Orchestration and Diagnostics</a:t>
             </a:r>
           </a:p>
@@ -8802,8 +8802,8 @@
               <a:buNone/>
             </a:pPr>
             <a:r>
-              <a:rPr lang="en-US" sz="1400"/>
-              <a:t>.NET Aspire offers orchestration, diagnostics, and service discovery for easier management and troubleshooting of modern apps.</a:t>
+              <a:rPr lang="en-US" sz="1400" dirty="0"/>
+              <a:t>Aspire offers orchestration, diagnostics, and service discovery for easier management and troubleshooting of modern apps.</a:t>
             </a:r>
           </a:p>
           <a:p>
@@ -8815,7 +8815,7 @@
               <a:buNone/>
             </a:pPr>
             <a:r>
-              <a:rPr lang="en-US" sz="1400" b="1"/>
+              <a:rPr lang="en-US" sz="1400" b="1" dirty="0"/>
               <a:t>Developer-First and Reliable</a:t>
             </a:r>
           </a:p>
@@ -8825,8 +8825,8 @@
               <a:buNone/>
             </a:pPr>
             <a:r>
-              <a:rPr lang="en-US" sz="1400"/>
-              <a:t>.NET Aspire focuses on developer productivity and production reliability, making .NET projects easier and more robust.</a:t>
+              <a:rPr lang="en-US" sz="1400" dirty="0"/>
+              <a:t>Aspire focuses on developer productivity and production reliability, making .NET projects easier and more robust.</a:t>
             </a:r>
           </a:p>
         </p:txBody>
@@ -8996,42 +8996,6 @@
           </a:p>
         </p:txBody>
       </p:sp>
-      <p:pic>
-        <p:nvPicPr>
-          <p:cNvPr id="5" name="Picture 4" descr=".NET Aspire logo">
-            <a:extLst>
-              <a:ext uri="{FF2B5EF4-FFF2-40B4-BE49-F238E27FC236}">
-                <a16:creationId xmlns:a16="http://schemas.microsoft.com/office/drawing/2014/main" id="{EDE4B226-BF59-DD80-B46D-B38CFE82BB10}"/>
-              </a:ext>
-            </a:extLst>
-          </p:cNvPr>
-          <p:cNvPicPr>
-            <a:picLocks noChangeAspect="1"/>
-          </p:cNvPicPr>
-          <p:nvPr/>
-        </p:nvPicPr>
-        <p:blipFill>
-          <a:blip r:embed="rId3" cstate="email">
-            <a:extLst>
-              <a:ext uri="{28A0092B-C50C-407E-A947-70E740481C1C}">
-                <a14:useLocalDpi xmlns:a14="http://schemas.microsoft.com/office/drawing/2010/main"/>
-              </a:ext>
-            </a:extLst>
-          </a:blip>
-          <a:stretch>
-            <a:fillRect/>
-          </a:stretch>
-        </p:blipFill>
-        <p:spPr>
-          <a:xfrm>
-            <a:off x="3574758" y="960264"/>
-            <a:ext cx="5425204" cy="1456880"/>
-          </a:xfrm>
-          <a:prstGeom prst="rect">
-            <a:avLst/>
-          </a:prstGeom>
-        </p:spPr>
-      </p:pic>
       <p:sp>
         <p:nvSpPr>
           <p:cNvPr id="57" name="TextBox 56">
@@ -9603,6 +9567,36 @@
           </a:p>
         </p:txBody>
       </p:sp>
+      <p:pic>
+        <p:nvPicPr>
+          <p:cNvPr id="8" name="Picture 7">
+            <a:extLst>
+              <a:ext uri="{FF2B5EF4-FFF2-40B4-BE49-F238E27FC236}">
+                <a16:creationId xmlns:a16="http://schemas.microsoft.com/office/drawing/2014/main" id="{7570C931-BB1A-84FC-3679-1962CB453605}"/>
+              </a:ext>
+            </a:extLst>
+          </p:cNvPr>
+          <p:cNvPicPr>
+            <a:picLocks noChangeAspect="1"/>
+          </p:cNvPicPr>
+          <p:nvPr/>
+        </p:nvPicPr>
+        <p:blipFill>
+          <a:blip r:embed="rId3"/>
+          <a:stretch>
+            <a:fillRect/>
+          </a:stretch>
+        </p:blipFill>
+        <p:spPr>
+          <a:xfrm>
+            <a:off x="4548639" y="863665"/>
+            <a:ext cx="3477439" cy="1476214"/>
+          </a:xfrm>
+          <a:prstGeom prst="rect">
+            <a:avLst/>
+          </a:prstGeom>
+        </p:spPr>
+      </p:pic>
     </p:spTree>
     <p:extLst>
       <p:ext uri="{BB962C8B-B14F-4D97-AF65-F5344CB8AC3E}">
@@ -9649,7 +9643,7 @@
                             </p:stCondLst>
                             <p:childTnLst>
                               <p:par>
-                                <p:cTn id="5" presetID="10" presetClass="entr" presetSubtype="0" fill="hold" nodeType="afterEffect">
+                                <p:cTn id="5" presetID="10" presetClass="entr" presetSubtype="0" fill="hold" grpId="0" nodeType="afterEffect">
                                   <p:stCondLst>
                                     <p:cond delay="0"/>
                                   </p:stCondLst>
@@ -9662,7 +9656,7 @@
                                           </p:stCondLst>
                                         </p:cTn>
                                         <p:tgtEl>
-                                          <p:spTgt spid="5"/>
+                                          <p:spTgt spid="4"/>
                                         </p:tgtEl>
                                         <p:attrNameLst>
                                           <p:attrName>style.visibility</p:attrName>
@@ -9676,7 +9670,7 @@
                                       <p:cBhvr>
                                         <p:cTn id="7" dur="500"/>
                                         <p:tgtEl>
-                                          <p:spTgt spid="5"/>
+                                          <p:spTgt spid="4"/>
                                         </p:tgtEl>
                                       </p:cBhvr>
                                     </p:animEffect>
@@ -9684,16 +9678,16 @@
                                 </p:cTn>
                               </p:par>
                               <p:par>
-                                <p:cTn id="8" presetID="42" presetClass="path" presetSubtype="0" decel="100000" fill="hold" nodeType="withEffect">
+                                <p:cTn id="8" presetID="42" presetClass="path" presetSubtype="0" decel="100000" fill="hold" grpId="1" nodeType="withEffect">
                                   <p:stCondLst>
                                     <p:cond delay="0"/>
                                   </p:stCondLst>
                                   <p:childTnLst>
-                                    <p:animMotion origin="layout" path="M 5E-6 0.04606 L 5E-6 3.7037E-6 " pathEditMode="relative" rAng="0" ptsTypes="AA">
+                                    <p:animMotion origin="layout" path="M 0 0.04606 L 0 0 " pathEditMode="relative" rAng="0" ptsTypes="AA">
                                       <p:cBhvr>
                                         <p:cTn id="9" dur="500" fill="hold"/>
                                         <p:tgtEl>
-                                          <p:spTgt spid="5"/>
+                                          <p:spTgt spid="4"/>
                                         </p:tgtEl>
                                         <p:attrNameLst>
                                           <p:attrName>ppt_x</p:attrName>
@@ -9728,7 +9722,7 @@
                                           </p:stCondLst>
                                         </p:cTn>
                                         <p:tgtEl>
-                                          <p:spTgt spid="4"/>
+                                          <p:spTgt spid="6"/>
                                         </p:tgtEl>
                                         <p:attrNameLst>
                                           <p:attrName>style.visibility</p:attrName>
@@ -9742,72 +9736,6 @@
                                       <p:cBhvr>
                                         <p:cTn id="13" dur="500"/>
                                         <p:tgtEl>
-                                          <p:spTgt spid="4"/>
-                                        </p:tgtEl>
-                                      </p:cBhvr>
-                                    </p:animEffect>
-                                  </p:childTnLst>
-                                </p:cTn>
-                              </p:par>
-                              <p:par>
-                                <p:cTn id="14" presetID="42" presetClass="path" presetSubtype="0" decel="100000" fill="hold" grpId="1" nodeType="withEffect">
-                                  <p:stCondLst>
-                                    <p:cond delay="0"/>
-                                  </p:stCondLst>
-                                  <p:childTnLst>
-                                    <p:animMotion origin="layout" path="M 0 0.04606 L 0 0 " pathEditMode="relative" rAng="0" ptsTypes="AA">
-                                      <p:cBhvr>
-                                        <p:cTn id="15" dur="500" fill="hold"/>
-                                        <p:tgtEl>
-                                          <p:spTgt spid="4"/>
-                                        </p:tgtEl>
-                                        <p:attrNameLst>
-                                          <p:attrName>ppt_x</p:attrName>
-                                          <p:attrName>ppt_y</p:attrName>
-                                        </p:attrNameLst>
-                                      </p:cBhvr>
-                                      <p:rCtr x="0" y="-2315"/>
-                                    </p:animMotion>
-                                  </p:childTnLst>
-                                </p:cTn>
-                              </p:par>
-                            </p:childTnLst>
-                          </p:cTn>
-                        </p:par>
-                        <p:par>
-                          <p:cTn id="16" fill="hold">
-                            <p:stCondLst>
-                              <p:cond delay="1000"/>
-                            </p:stCondLst>
-                            <p:childTnLst>
-                              <p:par>
-                                <p:cTn id="17" presetID="10" presetClass="entr" presetSubtype="0" fill="hold" grpId="0" nodeType="afterEffect">
-                                  <p:stCondLst>
-                                    <p:cond delay="0"/>
-                                  </p:stCondLst>
-                                  <p:childTnLst>
-                                    <p:set>
-                                      <p:cBhvr>
-                                        <p:cTn id="18" dur="1" fill="hold">
-                                          <p:stCondLst>
-                                            <p:cond delay="0"/>
-                                          </p:stCondLst>
-                                        </p:cTn>
-                                        <p:tgtEl>
-                                          <p:spTgt spid="6"/>
-                                        </p:tgtEl>
-                                        <p:attrNameLst>
-                                          <p:attrName>style.visibility</p:attrName>
-                                        </p:attrNameLst>
-                                      </p:cBhvr>
-                                      <p:to>
-                                        <p:strVal val="visible"/>
-                                      </p:to>
-                                    </p:set>
-                                    <p:animEffect transition="in" filter="fade">
-                                      <p:cBhvr>
-                                        <p:cTn id="19" dur="500"/>
-                                        <p:tgtEl>
                                           <p:spTgt spid="6"/>
                                         </p:tgtEl>
                                       </p:cBhvr>
@@ -9819,20 +9747,20 @@
                           </p:cTn>
                         </p:par>
                         <p:par>
-                          <p:cTn id="20" fill="hold">
+                          <p:cTn id="14" fill="hold">
                             <p:stCondLst>
-                              <p:cond delay="1500"/>
+                              <p:cond delay="1000"/>
                             </p:stCondLst>
                             <p:childTnLst>
                               <p:par>
-                                <p:cTn id="21" presetID="10" presetClass="entr" presetSubtype="0" fill="hold" grpId="0" nodeType="afterEffect">
+                                <p:cTn id="15" presetID="10" presetClass="entr" presetSubtype="0" fill="hold" grpId="0" nodeType="afterEffect">
                                   <p:stCondLst>
                                     <p:cond delay="0"/>
                                   </p:stCondLst>
                                   <p:childTnLst>
                                     <p:set>
                                       <p:cBhvr>
-                                        <p:cTn id="22" dur="1" fill="hold">
+                                        <p:cTn id="16" dur="1" fill="hold">
                                           <p:stCondLst>
                                             <p:cond delay="0"/>
                                           </p:stCondLst>
@@ -9850,7 +9778,7 @@
                                     </p:set>
                                     <p:animEffect transition="in" filter="fade">
                                       <p:cBhvr>
-                                        <p:cTn id="23" dur="500"/>
+                                        <p:cTn id="17" dur="500"/>
                                         <p:tgtEl>
                                           <p:spTgt spid="57"/>
                                         </p:tgtEl>
@@ -9863,20 +9791,20 @@
                           </p:cTn>
                         </p:par>
                         <p:par>
-                          <p:cTn id="24" fill="hold">
+                          <p:cTn id="18" fill="hold">
                             <p:stCondLst>
-                              <p:cond delay="2000"/>
+                              <p:cond delay="1500"/>
                             </p:stCondLst>
                             <p:childTnLst>
                               <p:par>
-                                <p:cTn id="25" presetID="10" presetClass="entr" presetSubtype="0" fill="hold" grpId="0" nodeType="afterEffect">
+                                <p:cTn id="19" presetID="10" presetClass="entr" presetSubtype="0" fill="hold" grpId="0" nodeType="afterEffect">
                                   <p:stCondLst>
                                     <p:cond delay="0"/>
                                   </p:stCondLst>
                                   <p:childTnLst>
                                     <p:set>
                                       <p:cBhvr>
-                                        <p:cTn id="26" dur="1" fill="hold">
+                                        <p:cTn id="20" dur="1" fill="hold">
                                           <p:stCondLst>
                                             <p:cond delay="0"/>
                                           </p:stCondLst>
@@ -9894,7 +9822,7 @@
                                     </p:set>
                                     <p:animEffect transition="in" filter="fade">
                                       <p:cBhvr>
-                                        <p:cTn id="27" dur="500"/>
+                                        <p:cTn id="21" dur="500"/>
                                         <p:tgtEl>
                                           <p:spTgt spid="58"/>
                                         </p:tgtEl>
@@ -9907,20 +9835,20 @@
                           </p:cTn>
                         </p:par>
                         <p:par>
-                          <p:cTn id="28" fill="hold">
+                          <p:cTn id="22" fill="hold">
                             <p:stCondLst>
-                              <p:cond delay="2500"/>
+                              <p:cond delay="2000"/>
                             </p:stCondLst>
                             <p:childTnLst>
                               <p:par>
-                                <p:cTn id="29" presetID="10" presetClass="entr" presetSubtype="0" fill="hold" grpId="0" nodeType="afterEffect">
+                                <p:cTn id="23" presetID="10" presetClass="entr" presetSubtype="0" fill="hold" grpId="0" nodeType="afterEffect">
                                   <p:stCondLst>
                                     <p:cond delay="0"/>
                                   </p:stCondLst>
                                   <p:childTnLst>
                                     <p:set>
                                       <p:cBhvr>
-                                        <p:cTn id="30" dur="1" fill="hold">
+                                        <p:cTn id="24" dur="1" fill="hold">
                                           <p:stCondLst>
                                             <p:cond delay="0"/>
                                           </p:stCondLst>
@@ -9938,7 +9866,7 @@
                                     </p:set>
                                     <p:animEffect transition="in" filter="fade">
                                       <p:cBhvr>
-                                        <p:cTn id="31" dur="500"/>
+                                        <p:cTn id="25" dur="500"/>
                                         <p:tgtEl>
                                           <p:spTgt spid="59"/>
                                         </p:tgtEl>
@@ -9951,20 +9879,20 @@
                           </p:cTn>
                         </p:par>
                         <p:par>
-                          <p:cTn id="32" fill="hold">
+                          <p:cTn id="26" fill="hold">
                             <p:stCondLst>
-                              <p:cond delay="3000"/>
+                              <p:cond delay="2500"/>
                             </p:stCondLst>
                             <p:childTnLst>
                               <p:par>
-                                <p:cTn id="33" presetID="10" presetClass="entr" presetSubtype="0" fill="hold" grpId="0" nodeType="afterEffect">
+                                <p:cTn id="27" presetID="10" presetClass="entr" presetSubtype="0" fill="hold" grpId="0" nodeType="afterEffect">
                                   <p:stCondLst>
                                     <p:cond delay="0"/>
                                   </p:stCondLst>
                                   <p:childTnLst>
                                     <p:set>
                                       <p:cBhvr>
-                                        <p:cTn id="34" dur="1" fill="hold">
+                                        <p:cTn id="28" dur="1" fill="hold">
                                           <p:stCondLst>
                                             <p:cond delay="0"/>
                                           </p:stCondLst>
@@ -9982,7 +9910,7 @@
                                     </p:set>
                                     <p:animEffect transition="in" filter="fade">
                                       <p:cBhvr>
-                                        <p:cTn id="35" dur="500"/>
+                                        <p:cTn id="29" dur="500"/>
                                         <p:tgtEl>
                                           <p:spTgt spid="60"/>
                                         </p:tgtEl>
@@ -9995,20 +9923,20 @@
                           </p:cTn>
                         </p:par>
                         <p:par>
-                          <p:cTn id="36" fill="hold">
+                          <p:cTn id="30" fill="hold">
                             <p:stCondLst>
-                              <p:cond delay="3500"/>
+                              <p:cond delay="3000"/>
                             </p:stCondLst>
                             <p:childTnLst>
                               <p:par>
-                                <p:cTn id="37" presetID="10" presetClass="entr" presetSubtype="0" fill="hold" grpId="0" nodeType="afterEffect">
+                                <p:cTn id="31" presetID="10" presetClass="entr" presetSubtype="0" fill="hold" grpId="0" nodeType="afterEffect">
                                   <p:stCondLst>
                                     <p:cond delay="0"/>
                                   </p:stCondLst>
                                   <p:childTnLst>
                                     <p:set>
                                       <p:cBhvr>
-                                        <p:cTn id="38" dur="1" fill="hold">
+                                        <p:cTn id="32" dur="1" fill="hold">
                                           <p:stCondLst>
                                             <p:cond delay="0"/>
                                           </p:stCondLst>
@@ -10026,7 +9954,7 @@
                                     </p:set>
                                     <p:animEffect transition="in" filter="fade">
                                       <p:cBhvr>
-                                        <p:cTn id="39" dur="500"/>
+                                        <p:cTn id="33" dur="500"/>
                                         <p:tgtEl>
                                           <p:spTgt spid="2"/>
                                         </p:tgtEl>
@@ -10039,20 +9967,20 @@
                           </p:cTn>
                         </p:par>
                         <p:par>
-                          <p:cTn id="40" fill="hold">
+                          <p:cTn id="34" fill="hold">
                             <p:stCondLst>
-                              <p:cond delay="4000"/>
+                              <p:cond delay="3500"/>
                             </p:stCondLst>
                             <p:childTnLst>
                               <p:par>
-                                <p:cTn id="41" presetID="10" presetClass="entr" presetSubtype="0" fill="hold" grpId="0" nodeType="afterEffect">
+                                <p:cTn id="35" presetID="10" presetClass="entr" presetSubtype="0" fill="hold" grpId="0" nodeType="afterEffect">
                                   <p:stCondLst>
                                     <p:cond delay="0"/>
                                   </p:stCondLst>
                                   <p:childTnLst>
                                     <p:set>
                                       <p:cBhvr>
-                                        <p:cTn id="42" dur="1" fill="hold">
+                                        <p:cTn id="36" dur="1" fill="hold">
                                           <p:stCondLst>
                                             <p:cond delay="0"/>
                                           </p:stCondLst>
@@ -10070,7 +9998,7 @@
                                     </p:set>
                                     <p:animEffect transition="in" filter="fade">
                                       <p:cBhvr>
-                                        <p:cTn id="43" dur="500"/>
+                                        <p:cTn id="37" dur="500"/>
                                         <p:tgtEl>
                                           <p:spTgt spid="61"/>
                                         </p:tgtEl>
